--- a/FSharpGA - 18th July 2019.pptx
+++ b/FSharpGA - 18th July 2019.pptx
@@ -33070,9 +33070,21 @@
           </a:p>
           <a:p>
             <a:r>
-              <a:rPr lang="en-GB" dirty="0"/>
+              <a:rPr lang="en-GB" dirty="0">
+                <a:hlinkClick r:id="rId3"/>
+              </a:rPr>
               <a:t>andrew@diametrical.co.uk</a:t>
             </a:r>
+            <a:endParaRPr lang="en-GB" dirty="0"/>
+          </a:p>
+          <a:p>
+            <a:r>
+              <a:rPr lang="en-GB" dirty="0"/>
+              <a:t>@ajwillshire</a:t>
+            </a:r>
+          </a:p>
+          <a:p>
+            <a:endParaRPr lang="en-GB" dirty="0"/>
           </a:p>
           <a:p>
             <a:endParaRPr lang="en-GB" dirty="0"/>
